--- a/Powerpoints/Module 8 - ML CI-CD.pptx
+++ b/Powerpoints/Module 8 - ML CI-CD.pptx
@@ -107,6 +107,11 @@
       </a:defRPr>
     </a:lvl9pPr>
   </p:defaultTextStyle>
+  <p:extLst>
+    <p:ext uri="{EFAFB233-063F-42B5-8137-9DF3F51BA10A}">
+      <p15:sldGuideLst xmlns:p15="http://schemas.microsoft.com/office/powerpoint/2012/main"/>
+    </p:ext>
+  </p:extLst>
 </p:presentation>
 </file>
 
@@ -192,7 +197,7 @@
           <a:p>
             <a:fld id="{87FB4685-11FC-4673-A745-2532D1159542}" type="datetimeFigureOut">
               <a:rPr lang="nl-NL" smtClean="0"/>
-              <a:t>20-4-2020</a:t>
+              <a:t>21-4-2020</a:t>
             </a:fld>
             <a:endParaRPr lang="nl-NL"/>
           </a:p>
@@ -696,7 +701,7 @@
           <a:p>
             <a:fld id="{63F33064-DE4C-42CC-8940-FE98B1A1B661}" type="datetimeFigureOut">
               <a:rPr lang="nl-NL" smtClean="0"/>
-              <a:t>20-4-2020</a:t>
+              <a:t>21-4-2020</a:t>
             </a:fld>
             <a:endParaRPr lang="nl-NL"/>
           </a:p>
@@ -896,7 +901,7 @@
           <a:p>
             <a:fld id="{63F33064-DE4C-42CC-8940-FE98B1A1B661}" type="datetimeFigureOut">
               <a:rPr lang="nl-NL" smtClean="0"/>
-              <a:t>20-4-2020</a:t>
+              <a:t>21-4-2020</a:t>
             </a:fld>
             <a:endParaRPr lang="nl-NL"/>
           </a:p>
@@ -1106,7 +1111,7 @@
           <a:p>
             <a:fld id="{63F33064-DE4C-42CC-8940-FE98B1A1B661}" type="datetimeFigureOut">
               <a:rPr lang="nl-NL" smtClean="0"/>
-              <a:t>20-4-2020</a:t>
+              <a:t>21-4-2020</a:t>
             </a:fld>
             <a:endParaRPr lang="nl-NL"/>
           </a:p>
@@ -1306,7 +1311,7 @@
           <a:p>
             <a:fld id="{63F33064-DE4C-42CC-8940-FE98B1A1B661}" type="datetimeFigureOut">
               <a:rPr lang="nl-NL" smtClean="0"/>
-              <a:t>20-4-2020</a:t>
+              <a:t>21-4-2020</a:t>
             </a:fld>
             <a:endParaRPr lang="nl-NL"/>
           </a:p>
@@ -1582,7 +1587,7 @@
           <a:p>
             <a:fld id="{63F33064-DE4C-42CC-8940-FE98B1A1B661}" type="datetimeFigureOut">
               <a:rPr lang="nl-NL" smtClean="0"/>
-              <a:t>20-4-2020</a:t>
+              <a:t>21-4-2020</a:t>
             </a:fld>
             <a:endParaRPr lang="nl-NL"/>
           </a:p>
@@ -1850,7 +1855,7 @@
           <a:p>
             <a:fld id="{63F33064-DE4C-42CC-8940-FE98B1A1B661}" type="datetimeFigureOut">
               <a:rPr lang="nl-NL" smtClean="0"/>
-              <a:t>20-4-2020</a:t>
+              <a:t>21-4-2020</a:t>
             </a:fld>
             <a:endParaRPr lang="nl-NL"/>
           </a:p>
@@ -2265,7 +2270,7 @@
           <a:p>
             <a:fld id="{63F33064-DE4C-42CC-8940-FE98B1A1B661}" type="datetimeFigureOut">
               <a:rPr lang="nl-NL" smtClean="0"/>
-              <a:t>20-4-2020</a:t>
+              <a:t>21-4-2020</a:t>
             </a:fld>
             <a:endParaRPr lang="nl-NL"/>
           </a:p>
@@ -2407,7 +2412,7 @@
           <a:p>
             <a:fld id="{63F33064-DE4C-42CC-8940-FE98B1A1B661}" type="datetimeFigureOut">
               <a:rPr lang="nl-NL" smtClean="0"/>
-              <a:t>20-4-2020</a:t>
+              <a:t>21-4-2020</a:t>
             </a:fld>
             <a:endParaRPr lang="nl-NL"/>
           </a:p>
@@ -2520,7 +2525,7 @@
           <a:p>
             <a:fld id="{63F33064-DE4C-42CC-8940-FE98B1A1B661}" type="datetimeFigureOut">
               <a:rPr lang="nl-NL" smtClean="0"/>
-              <a:t>20-4-2020</a:t>
+              <a:t>21-4-2020</a:t>
             </a:fld>
             <a:endParaRPr lang="nl-NL"/>
           </a:p>
@@ -2833,7 +2838,7 @@
           <a:p>
             <a:fld id="{63F33064-DE4C-42CC-8940-FE98B1A1B661}" type="datetimeFigureOut">
               <a:rPr lang="nl-NL" smtClean="0"/>
-              <a:t>20-4-2020</a:t>
+              <a:t>21-4-2020</a:t>
             </a:fld>
             <a:endParaRPr lang="nl-NL"/>
           </a:p>
@@ -3122,7 +3127,7 @@
           <a:p>
             <a:fld id="{63F33064-DE4C-42CC-8940-FE98B1A1B661}" type="datetimeFigureOut">
               <a:rPr lang="nl-NL" smtClean="0"/>
-              <a:t>20-4-2020</a:t>
+              <a:t>21-4-2020</a:t>
             </a:fld>
             <a:endParaRPr lang="nl-NL"/>
           </a:p>
@@ -3365,7 +3370,7 @@
           <a:p>
             <a:fld id="{63F33064-DE4C-42CC-8940-FE98B1A1B661}" type="datetimeFigureOut">
               <a:rPr lang="nl-NL" smtClean="0"/>
-              <a:t>20-4-2020</a:t>
+              <a:t>21-4-2020</a:t>
             </a:fld>
             <a:endParaRPr lang="nl-NL"/>
           </a:p>
@@ -6265,8 +6270,8 @@
         </p:nvSpPr>
         <p:spPr>
           <a:xfrm rot="16200000">
-            <a:off x="7307163" y="583022"/>
-            <a:ext cx="547141" cy="1845977"/>
+            <a:off x="7115476" y="774709"/>
+            <a:ext cx="547141" cy="1462602"/>
           </a:xfrm>
           <a:prstGeom prst="can">
             <a:avLst/>
@@ -6569,8 +6574,8 @@
         </p:nvSpPr>
         <p:spPr>
           <a:xfrm rot="16200000">
-            <a:off x="7307163" y="-112219"/>
-            <a:ext cx="547141" cy="1845977"/>
+            <a:off x="7115476" y="79468"/>
+            <a:ext cx="547141" cy="1462602"/>
           </a:xfrm>
           <a:prstGeom prst="can">
             <a:avLst/>
@@ -6627,7 +6632,7 @@
         <p:spPr>
           <a:xfrm>
             <a:off x="5976829" y="810769"/>
-            <a:ext cx="680916" cy="0"/>
+            <a:ext cx="680917" cy="0"/>
           </a:xfrm>
           <a:prstGeom prst="straightConnector1">
             <a:avLst/>
@@ -6669,7 +6674,7 @@
         <p:spPr>
           <a:xfrm>
             <a:off x="5976378" y="1506010"/>
-            <a:ext cx="681367" cy="0"/>
+            <a:ext cx="681368" cy="0"/>
           </a:xfrm>
           <a:prstGeom prst="straightConnector1">
             <a:avLst/>
@@ -6941,8 +6946,8 @@
         </p:nvCxnSpPr>
         <p:spPr>
           <a:xfrm>
-            <a:off x="8503722" y="810769"/>
-            <a:ext cx="633561" cy="0"/>
+            <a:off x="8120348" y="810768"/>
+            <a:ext cx="1016935" cy="1"/>
           </a:xfrm>
           <a:prstGeom prst="straightConnector1">
             <a:avLst/>
@@ -6984,8 +6989,8 @@
         </p:nvCxnSpPr>
         <p:spPr>
           <a:xfrm flipV="1">
-            <a:off x="8503722" y="810769"/>
-            <a:ext cx="633561" cy="695241"/>
+            <a:off x="8120348" y="810769"/>
+            <a:ext cx="1016935" cy="695240"/>
           </a:xfrm>
           <a:prstGeom prst="bentConnector3">
             <a:avLst>
@@ -9866,6 +9871,154 @@
             <a:r>
               <a:rPr lang="nl-NL" sz="900" dirty="0"/>
               <a:t>Load test</a:t>
+            </a:r>
+          </a:p>
+        </p:txBody>
+      </p:sp>
+      <p:sp>
+        <p:nvSpPr>
+          <p:cNvPr id="4" name="TextBox 3">
+            <a:extLst>
+              <a:ext uri="{FF2B5EF4-FFF2-40B4-BE49-F238E27FC236}">
+                <a16:creationId xmlns:a16="http://schemas.microsoft.com/office/drawing/2014/main" id="{240BF842-1A64-4B08-B9F4-04157A736A4D}"/>
+              </a:ext>
+            </a:extLst>
+          </p:cNvPr>
+          <p:cNvSpPr txBox="1"/>
+          <p:nvPr/>
+        </p:nvSpPr>
+        <p:spPr>
+          <a:xfrm>
+            <a:off x="8291864" y="3417904"/>
+            <a:ext cx="1057275" cy="338554"/>
+          </a:xfrm>
+          <a:prstGeom prst="rect">
+            <a:avLst/>
+          </a:prstGeom>
+          <a:solidFill>
+            <a:schemeClr val="bg1"/>
+          </a:solidFill>
+          <a:ln>
+            <a:solidFill>
+              <a:schemeClr val="tx1"/>
+            </a:solidFill>
+          </a:ln>
+        </p:spPr>
+        <p:txBody>
+          <a:bodyPr wrap="square" rtlCol="0">
+            <a:spAutoFit/>
+          </a:bodyPr>
+          <a:lstStyle/>
+          <a:p>
+            <a:pPr algn="ctr"/>
+            <a:r>
+              <a:rPr lang="nl-NL" sz="800" b="1" dirty="0"/>
+              <a:t>&lt;&lt; Trigger on model registry event &gt;&gt;</a:t>
+            </a:r>
+          </a:p>
+        </p:txBody>
+      </p:sp>
+      <p:sp>
+        <p:nvSpPr>
+          <p:cNvPr id="11" name="TextBox 10">
+            <a:extLst>
+              <a:ext uri="{FF2B5EF4-FFF2-40B4-BE49-F238E27FC236}">
+                <a16:creationId xmlns:a16="http://schemas.microsoft.com/office/drawing/2014/main" id="{BD729B5D-7322-4020-96BC-6F02C5F6369E}"/>
+              </a:ext>
+            </a:extLst>
+          </p:cNvPr>
+          <p:cNvSpPr txBox="1"/>
+          <p:nvPr/>
+        </p:nvSpPr>
+        <p:spPr>
+          <a:xfrm rot="5400000">
+            <a:off x="8382837" y="1739502"/>
+            <a:ext cx="1066134" cy="230832"/>
+          </a:xfrm>
+          <a:prstGeom prst="rect">
+            <a:avLst/>
+          </a:prstGeom>
+          <a:noFill/>
+        </p:spPr>
+        <p:txBody>
+          <a:bodyPr wrap="square" rtlCol="0">
+            <a:spAutoFit/>
+          </a:bodyPr>
+          <a:lstStyle/>
+          <a:p>
+            <a:r>
+              <a:rPr lang="nl-NL" sz="900" dirty="0"/>
+              <a:t>&lt;  ADO Parameter</a:t>
+            </a:r>
+          </a:p>
+        </p:txBody>
+      </p:sp>
+      <p:sp>
+        <p:nvSpPr>
+          <p:cNvPr id="13" name="TextBox 12">
+            <a:extLst>
+              <a:ext uri="{FF2B5EF4-FFF2-40B4-BE49-F238E27FC236}">
+                <a16:creationId xmlns:a16="http://schemas.microsoft.com/office/drawing/2014/main" id="{09FC5890-493F-4ABA-A085-D1111EC3FB25}"/>
+              </a:ext>
+            </a:extLst>
+          </p:cNvPr>
+          <p:cNvSpPr txBox="1"/>
+          <p:nvPr/>
+        </p:nvSpPr>
+        <p:spPr>
+          <a:xfrm>
+            <a:off x="8073879" y="613868"/>
+            <a:ext cx="1066134" cy="230832"/>
+          </a:xfrm>
+          <a:prstGeom prst="rect">
+            <a:avLst/>
+          </a:prstGeom>
+          <a:noFill/>
+        </p:spPr>
+        <p:txBody>
+          <a:bodyPr wrap="square" rtlCol="0">
+            <a:spAutoFit/>
+          </a:bodyPr>
+          <a:lstStyle/>
+          <a:p>
+            <a:r>
+              <a:rPr lang="nl-NL" sz="900" dirty="0"/>
+              <a:t>Model ID &gt;</a:t>
+            </a:r>
+          </a:p>
+        </p:txBody>
+      </p:sp>
+      <p:sp>
+        <p:nvSpPr>
+          <p:cNvPr id="15" name="TextBox 14">
+            <a:extLst>
+              <a:ext uri="{FF2B5EF4-FFF2-40B4-BE49-F238E27FC236}">
+                <a16:creationId xmlns:a16="http://schemas.microsoft.com/office/drawing/2014/main" id="{1BF4834E-B91C-4B49-9E75-824BFCBF2757}"/>
+              </a:ext>
+            </a:extLst>
+          </p:cNvPr>
+          <p:cNvSpPr txBox="1"/>
+          <p:nvPr/>
+        </p:nvSpPr>
+        <p:spPr>
+          <a:xfrm>
+            <a:off x="8070511" y="1525770"/>
+            <a:ext cx="1066134" cy="230832"/>
+          </a:xfrm>
+          <a:prstGeom prst="rect">
+            <a:avLst/>
+          </a:prstGeom>
+          <a:noFill/>
+        </p:spPr>
+        <p:txBody>
+          <a:bodyPr wrap="square" rtlCol="0">
+            <a:spAutoFit/>
+          </a:bodyPr>
+          <a:lstStyle/>
+          <a:p>
+            <a:r>
+              <a:rPr lang="nl-NL" sz="900" dirty="0"/>
+              <a:t>Pipelines &gt;</a:t>
             </a:r>
           </a:p>
         </p:txBody>
